--- a/Introduction to Algorand.pptx
+++ b/Introduction to Algorand.pptx
@@ -6,17 +6,21 @@
   </p:sldMasterIdLst>
   <p:sldIdLst>
     <p:sldId id="264" r:id="rId2"/>
-    <p:sldId id="256" r:id="rId3"/>
-    <p:sldId id="265" r:id="rId4"/>
-    <p:sldId id="262" r:id="rId5"/>
-    <p:sldId id="266" r:id="rId6"/>
-    <p:sldId id="267" r:id="rId7"/>
-    <p:sldId id="261" r:id="rId8"/>
-    <p:sldId id="263" r:id="rId9"/>
-    <p:sldId id="257" r:id="rId10"/>
-    <p:sldId id="258" r:id="rId11"/>
-    <p:sldId id="260" r:id="rId12"/>
-    <p:sldId id="259" r:id="rId13"/>
+    <p:sldId id="268" r:id="rId3"/>
+    <p:sldId id="256" r:id="rId4"/>
+    <p:sldId id="265" r:id="rId5"/>
+    <p:sldId id="269" r:id="rId6"/>
+    <p:sldId id="262" r:id="rId7"/>
+    <p:sldId id="266" r:id="rId8"/>
+    <p:sldId id="267" r:id="rId9"/>
+    <p:sldId id="261" r:id="rId10"/>
+    <p:sldId id="263" r:id="rId11"/>
+    <p:sldId id="257" r:id="rId12"/>
+    <p:sldId id="258" r:id="rId13"/>
+    <p:sldId id="260" r:id="rId14"/>
+    <p:sldId id="259" r:id="rId15"/>
+    <p:sldId id="270" r:id="rId16"/>
+    <p:sldId id="271" r:id="rId17"/>
   </p:sldIdLst>
   <p:sldSz cx="12192000" cy="6858000"/>
   <p:notesSz cx="6858000" cy="9144000"/>
@@ -270,7 +274,7 @@
           <a:p>
             <a:fld id="{F2F3032B-A242-42CA-B7FE-9F1371E6D857}" type="datetimeFigureOut">
               <a:rPr lang="he-IL" smtClean="0"/>
-              <a:t>ט"ו/טבת/תשפ"ה</a:t>
+              <a:t>כ"א/טבת/תשפ"ה</a:t>
             </a:fld>
             <a:endParaRPr lang="he-IL"/>
           </a:p>
@@ -468,7 +472,7 @@
           <a:p>
             <a:fld id="{F2F3032B-A242-42CA-B7FE-9F1371E6D857}" type="datetimeFigureOut">
               <a:rPr lang="he-IL" smtClean="0"/>
-              <a:t>ט"ו/טבת/תשפ"ה</a:t>
+              <a:t>כ"א/טבת/תשפ"ה</a:t>
             </a:fld>
             <a:endParaRPr lang="he-IL"/>
           </a:p>
@@ -676,7 +680,7 @@
           <a:p>
             <a:fld id="{F2F3032B-A242-42CA-B7FE-9F1371E6D857}" type="datetimeFigureOut">
               <a:rPr lang="he-IL" smtClean="0"/>
-              <a:t>ט"ו/טבת/תשפ"ה</a:t>
+              <a:t>כ"א/טבת/תשפ"ה</a:t>
             </a:fld>
             <a:endParaRPr lang="he-IL"/>
           </a:p>
@@ -874,7 +878,7 @@
           <a:p>
             <a:fld id="{F2F3032B-A242-42CA-B7FE-9F1371E6D857}" type="datetimeFigureOut">
               <a:rPr lang="he-IL" smtClean="0"/>
-              <a:t>ט"ו/טבת/תשפ"ה</a:t>
+              <a:t>כ"א/טבת/תשפ"ה</a:t>
             </a:fld>
             <a:endParaRPr lang="he-IL"/>
           </a:p>
@@ -1149,7 +1153,7 @@
           <a:p>
             <a:fld id="{F2F3032B-A242-42CA-B7FE-9F1371E6D857}" type="datetimeFigureOut">
               <a:rPr lang="he-IL" smtClean="0"/>
-              <a:t>ט"ו/טבת/תשפ"ה</a:t>
+              <a:t>כ"א/טבת/תשפ"ה</a:t>
             </a:fld>
             <a:endParaRPr lang="he-IL"/>
           </a:p>
@@ -1414,7 +1418,7 @@
           <a:p>
             <a:fld id="{F2F3032B-A242-42CA-B7FE-9F1371E6D857}" type="datetimeFigureOut">
               <a:rPr lang="he-IL" smtClean="0"/>
-              <a:t>ט"ו/טבת/תשפ"ה</a:t>
+              <a:t>כ"א/טבת/תשפ"ה</a:t>
             </a:fld>
             <a:endParaRPr lang="he-IL"/>
           </a:p>
@@ -1826,7 +1830,7 @@
           <a:p>
             <a:fld id="{F2F3032B-A242-42CA-B7FE-9F1371E6D857}" type="datetimeFigureOut">
               <a:rPr lang="he-IL" smtClean="0"/>
-              <a:t>ט"ו/טבת/תשפ"ה</a:t>
+              <a:t>כ"א/טבת/תשפ"ה</a:t>
             </a:fld>
             <a:endParaRPr lang="he-IL"/>
           </a:p>
@@ -1967,7 +1971,7 @@
           <a:p>
             <a:fld id="{F2F3032B-A242-42CA-B7FE-9F1371E6D857}" type="datetimeFigureOut">
               <a:rPr lang="he-IL" smtClean="0"/>
-              <a:t>ט"ו/טבת/תשפ"ה</a:t>
+              <a:t>כ"א/טבת/תשפ"ה</a:t>
             </a:fld>
             <a:endParaRPr lang="he-IL"/>
           </a:p>
@@ -2080,7 +2084,7 @@
           <a:p>
             <a:fld id="{F2F3032B-A242-42CA-B7FE-9F1371E6D857}" type="datetimeFigureOut">
               <a:rPr lang="he-IL" smtClean="0"/>
-              <a:t>ט"ו/טבת/תשפ"ה</a:t>
+              <a:t>כ"א/טבת/תשפ"ה</a:t>
             </a:fld>
             <a:endParaRPr lang="he-IL"/>
           </a:p>
@@ -2391,7 +2395,7 @@
           <a:p>
             <a:fld id="{F2F3032B-A242-42CA-B7FE-9F1371E6D857}" type="datetimeFigureOut">
               <a:rPr lang="he-IL" smtClean="0"/>
-              <a:t>ט"ו/טבת/תשפ"ה</a:t>
+              <a:t>כ"א/טבת/תשפ"ה</a:t>
             </a:fld>
             <a:endParaRPr lang="he-IL"/>
           </a:p>
@@ -2679,7 +2683,7 @@
           <a:p>
             <a:fld id="{F2F3032B-A242-42CA-B7FE-9F1371E6D857}" type="datetimeFigureOut">
               <a:rPr lang="he-IL" smtClean="0"/>
-              <a:t>ט"ו/טבת/תשפ"ה</a:t>
+              <a:t>כ"א/טבת/תשפ"ה</a:t>
             </a:fld>
             <a:endParaRPr lang="he-IL"/>
           </a:p>
@@ -2920,7 +2924,7 @@
           <a:p>
             <a:fld id="{F2F3032B-A242-42CA-B7FE-9F1371E6D857}" type="datetimeFigureOut">
               <a:rPr lang="he-IL" smtClean="0"/>
-              <a:t>ט"ו/טבת/תשפ"ה</a:t>
+              <a:t>כ"א/טבת/תשפ"ה</a:t>
             </a:fld>
             <a:endParaRPr lang="he-IL"/>
           </a:p>
@@ -3434,10 +3438,14 @@
           <a:lstStyle/>
           <a:p>
             <a:r>
-              <a:rPr lang="en-US" sz="5000"/>
-              <a:t>Introduction To Algorand</a:t>
-            </a:r>
-            <a:endParaRPr lang="he-IL" sz="5000"/>
+              <a:rPr lang="en-US" sz="5000" dirty="0"/>
+              <a:t>Introduction to </a:t>
+            </a:r>
+            <a:r>
+              <a:rPr lang="en-US" sz="5000" dirty="0" err="1"/>
+              <a:t>Algorand</a:t>
+            </a:r>
+            <a:endParaRPr lang="he-IL" sz="5000" dirty="0"/>
           </a:p>
         </p:txBody>
       </p:sp>
@@ -3798,6 +3806,17 @@
               <a:rPr lang="en-US" sz="2200" dirty="0"/>
               <a:t>SCE – The Department of Software Engineering</a:t>
             </a:r>
+          </a:p>
+          <a:p>
+            <a:pPr marL="0" indent="0" algn="l">
+              <a:buNone/>
+            </a:pPr>
+            <a:r>
+              <a:rPr lang="en-US" sz="2200" dirty="0">
+                <a:hlinkClick r:id="rId2"/>
+              </a:rPr>
+              <a:t>GitHub Link</a:t>
+            </a:r>
             <a:endParaRPr lang="he-IL" sz="2200" dirty="0"/>
           </a:p>
         </p:txBody>
@@ -3817,13 +3836,13 @@
           <p:nvPr/>
         </p:nvPicPr>
         <p:blipFill>
-          <a:blip r:embed="rId2">
+          <a:blip r:embed="rId3">
             <a:extLst>
               <a:ext uri="{28A0092B-C50C-407E-A947-70E740481C1C}">
                 <a14:useLocalDpi xmlns:a14="http://schemas.microsoft.com/office/drawing/2010/main" val="0"/>
               </a:ext>
               <a:ext uri="{96DAC541-7B7A-43D3-8B79-37D633B846F1}">
-                <asvg:svgBlip xmlns:asvg="http://schemas.microsoft.com/office/drawing/2016/SVG/main" r:embed="rId3"/>
+                <asvg:svgBlip xmlns:asvg="http://schemas.microsoft.com/office/drawing/2016/SVG/main" r:embed="rId4"/>
               </a:ext>
             </a:extLst>
           </a:blip>
@@ -3857,6 +3876,310 @@
 <file path=ppt/slides/slide10.xml><?xml version="1.0" encoding="utf-8"?>
 <p:sld xmlns:a="http://schemas.openxmlformats.org/drawingml/2006/main" xmlns:r="http://schemas.openxmlformats.org/officeDocument/2006/relationships" xmlns:p="http://schemas.openxmlformats.org/presentationml/2006/main">
   <p:cSld>
+    <p:spTree>
+      <p:nvGrpSpPr>
+        <p:cNvPr id="1" name="">
+          <a:extLst>
+            <a:ext uri="{FF2B5EF4-FFF2-40B4-BE49-F238E27FC236}">
+              <a16:creationId xmlns:a16="http://schemas.microsoft.com/office/drawing/2014/main" id="{E3B4697E-BF83-F15C-78B2-67520C24CD66}"/>
+            </a:ext>
+          </a:extLst>
+        </p:cNvPr>
+        <p:cNvGrpSpPr/>
+        <p:nvPr/>
+      </p:nvGrpSpPr>
+      <p:grpSpPr>
+        <a:xfrm>
+          <a:off x="0" y="0"/>
+          <a:ext cx="0" cy="0"/>
+          <a:chOff x="0" y="0"/>
+          <a:chExt cx="0" cy="0"/>
+        </a:xfrm>
+      </p:grpSpPr>
+      <p:sp>
+        <p:nvSpPr>
+          <p:cNvPr id="5" name="תיבת טקסט 4">
+            <a:extLst>
+              <a:ext uri="{FF2B5EF4-FFF2-40B4-BE49-F238E27FC236}">
+                <a16:creationId xmlns:a16="http://schemas.microsoft.com/office/drawing/2014/main" id="{CB622BA6-ABEA-3A46-F3C6-BAF7CFF5B476}"/>
+              </a:ext>
+            </a:extLst>
+          </p:cNvPr>
+          <p:cNvSpPr txBox="1"/>
+          <p:nvPr/>
+        </p:nvSpPr>
+        <p:spPr>
+          <a:xfrm>
+            <a:off x="698089" y="452284"/>
+            <a:ext cx="10137059" cy="4832092"/>
+          </a:xfrm>
+          <a:prstGeom prst="rect">
+            <a:avLst/>
+          </a:prstGeom>
+          <a:noFill/>
+        </p:spPr>
+        <p:txBody>
+          <a:bodyPr wrap="square">
+            <a:spAutoFit/>
+          </a:bodyPr>
+          <a:lstStyle/>
+          <a:p>
+            <a:pPr algn="l" rtl="0"/>
+            <a:endParaRPr lang="en-US" sz="2800" b="1" dirty="0"/>
+          </a:p>
+          <a:p>
+            <a:pPr algn="l" rtl="0">
+              <a:buFont typeface="Arial" panose="020B0604020202020204" pitchFamily="34" charset="0"/>
+              <a:buChar char="•"/>
+            </a:pPr>
+            <a:r>
+              <a:rPr lang="en-US" sz="2800" b="1" dirty="0"/>
+              <a:t>Purpose</a:t>
+            </a:r>
+            <a:r>
+              <a:rPr lang="en-US" sz="2800" dirty="0"/>
+              <a:t>: A scalable and secure blockchain protocol.</a:t>
+            </a:r>
+          </a:p>
+          <a:p>
+            <a:pPr algn="l" rtl="0">
+              <a:buFont typeface="Arial" panose="020B0604020202020204" pitchFamily="34" charset="0"/>
+              <a:buChar char="•"/>
+            </a:pPr>
+            <a:endParaRPr lang="en-US" sz="2800" b="1" dirty="0"/>
+          </a:p>
+          <a:p>
+            <a:pPr algn="l" rtl="0">
+              <a:buFont typeface="Arial" panose="020B0604020202020204" pitchFamily="34" charset="0"/>
+              <a:buChar char="•"/>
+            </a:pPr>
+            <a:r>
+              <a:rPr lang="en-US" sz="2800" b="1" dirty="0"/>
+              <a:t>Key Goals</a:t>
+            </a:r>
+            <a:r>
+              <a:rPr lang="en-US" sz="2800" dirty="0"/>
+              <a:t>:</a:t>
+            </a:r>
+          </a:p>
+          <a:p>
+            <a:pPr marL="742950" lvl="1" indent="-285750" algn="l" rtl="0">
+              <a:buFont typeface="Arial" panose="020B0604020202020204" pitchFamily="34" charset="0"/>
+              <a:buChar char="•"/>
+            </a:pPr>
+            <a:r>
+              <a:rPr lang="en-US" sz="2800" dirty="0"/>
+              <a:t>Low latency: Confirm transactions in under a minute.</a:t>
+            </a:r>
+          </a:p>
+          <a:p>
+            <a:pPr marL="742950" lvl="1" indent="-285750" algn="l" rtl="0">
+              <a:buFont typeface="Arial" panose="020B0604020202020204" pitchFamily="34" charset="0"/>
+              <a:buChar char="•"/>
+            </a:pPr>
+            <a:r>
+              <a:rPr lang="en-US" sz="2800" dirty="0"/>
+              <a:t>No forks: Consensus ensures a single chain view.</a:t>
+            </a:r>
+          </a:p>
+          <a:p>
+            <a:pPr marL="742950" lvl="1" indent="-285750" algn="l" rtl="0">
+              <a:buFont typeface="Arial" panose="020B0604020202020204" pitchFamily="34" charset="0"/>
+              <a:buChar char="•"/>
+            </a:pPr>
+            <a:r>
+              <a:rPr lang="en-US" sz="2800" dirty="0"/>
+              <a:t>High scalability: Supports millions of users without performance degradation.</a:t>
+            </a:r>
+          </a:p>
+          <a:p>
+            <a:pPr algn="l" rtl="0">
+              <a:buFont typeface="Arial" panose="020B0604020202020204" pitchFamily="34" charset="0"/>
+              <a:buChar char="•"/>
+            </a:pPr>
+            <a:endParaRPr lang="en-US" sz="2800" b="1" dirty="0"/>
+          </a:p>
+          <a:p>
+            <a:pPr algn="l" rtl="0">
+              <a:buFont typeface="Arial" panose="020B0604020202020204" pitchFamily="34" charset="0"/>
+              <a:buChar char="•"/>
+            </a:pPr>
+            <a:r>
+              <a:rPr lang="en-US" sz="2800" b="1" dirty="0"/>
+              <a:t>Innovation</a:t>
+            </a:r>
+            <a:r>
+              <a:rPr lang="en-US" sz="2800" dirty="0"/>
+              <a:t>: Combines Byzantine Agreement (BA⋆) with Cryptographic Sortition.</a:t>
+            </a:r>
+          </a:p>
+        </p:txBody>
+      </p:sp>
+    </p:spTree>
+    <p:extLst>
+      <p:ext uri="{BB962C8B-B14F-4D97-AF65-F5344CB8AC3E}">
+        <p14:creationId xmlns:p14="http://schemas.microsoft.com/office/powerpoint/2010/main" val="1818405235"/>
+      </p:ext>
+    </p:extLst>
+  </p:cSld>
+  <p:clrMapOvr>
+    <a:masterClrMapping/>
+  </p:clrMapOvr>
+</p:sld>
+</file>
+
+<file path=ppt/slides/slide11.xml><?xml version="1.0" encoding="utf-8"?>
+<p:sld xmlns:a="http://schemas.openxmlformats.org/drawingml/2006/main" xmlns:r="http://schemas.openxmlformats.org/officeDocument/2006/relationships" xmlns:p="http://schemas.openxmlformats.org/presentationml/2006/main">
+  <p:cSld>
+    <p:bg>
+      <p:bgRef idx="1001">
+        <a:schemeClr val="bg1"/>
+      </p:bgRef>
+    </p:bg>
+    <p:spTree>
+      <p:nvGrpSpPr>
+        <p:cNvPr id="1" name=""/>
+        <p:cNvGrpSpPr/>
+        <p:nvPr/>
+      </p:nvGrpSpPr>
+      <p:grpSpPr>
+        <a:xfrm>
+          <a:off x="0" y="0"/>
+          <a:ext cx="0" cy="0"/>
+          <a:chOff x="0" y="0"/>
+          <a:chExt cx="0" cy="0"/>
+        </a:xfrm>
+      </p:grpSpPr>
+      <p:sp>
+        <p:nvSpPr>
+          <p:cNvPr id="3" name="תיבת טקסט 2">
+            <a:extLst>
+              <a:ext uri="{FF2B5EF4-FFF2-40B4-BE49-F238E27FC236}">
+                <a16:creationId xmlns:a16="http://schemas.microsoft.com/office/drawing/2014/main" id="{6A603BD4-2AA5-4096-BCA7-44162107D601}"/>
+              </a:ext>
+            </a:extLst>
+          </p:cNvPr>
+          <p:cNvSpPr txBox="1"/>
+          <p:nvPr/>
+        </p:nvSpPr>
+        <p:spPr>
+          <a:xfrm>
+            <a:off x="570271" y="258292"/>
+            <a:ext cx="10894142" cy="5693866"/>
+          </a:xfrm>
+          <a:prstGeom prst="rect">
+            <a:avLst/>
+          </a:prstGeom>
+          <a:noFill/>
+        </p:spPr>
+        <p:txBody>
+          <a:bodyPr wrap="square">
+            <a:spAutoFit/>
+          </a:bodyPr>
+          <a:lstStyle>
+            <a:defPPr>
+              <a:defRPr lang="he-IL"/>
+            </a:defPPr>
+            <a:lvl1pPr algn="l" rtl="0">
+              <a:defRPr sz="2800" b="1"/>
+            </a:lvl1pPr>
+            <a:lvl2pPr marL="742950" lvl="1" indent="-285750" algn="l" rtl="0">
+              <a:buFont typeface="Arial" panose="020B0604020202020204" pitchFamily="34" charset="0"/>
+              <a:buChar char="•"/>
+              <a:defRPr sz="2800"/>
+            </a:lvl2pPr>
+          </a:lstStyle>
+          <a:p>
+            <a:r>
+              <a:rPr lang="en-US" dirty="0"/>
+              <a:t>Cryptographic Sortition</a:t>
+            </a:r>
+          </a:p>
+          <a:p>
+            <a:endParaRPr lang="en-US" dirty="0"/>
+          </a:p>
+          <a:p>
+            <a:r>
+              <a:rPr lang="en-US" dirty="0"/>
+              <a:t>Definition: A process for selecting users for roles (e.g., proposers, committee members) based on their stake (Proof of Stake).</a:t>
+            </a:r>
+          </a:p>
+          <a:p>
+            <a:endParaRPr lang="en-US" dirty="0"/>
+          </a:p>
+          <a:p>
+            <a:r>
+              <a:rPr lang="en-US" dirty="0"/>
+              <a:t>Mechanism:</a:t>
+            </a:r>
+          </a:p>
+          <a:p>
+            <a:pPr lvl="1"/>
+            <a:r>
+              <a:rPr lang="en-US" dirty="0"/>
+              <a:t>Verifiable Random Functions (</a:t>
+            </a:r>
+            <a:r>
+              <a:rPr lang="en-US" b="1" dirty="0"/>
+              <a:t>VRFs</a:t>
+            </a:r>
+            <a:r>
+              <a:rPr lang="en-US" dirty="0"/>
+              <a:t>) select users privately and securely.</a:t>
+            </a:r>
+          </a:p>
+          <a:p>
+            <a:pPr lvl="1"/>
+            <a:r>
+              <a:rPr lang="en-US" dirty="0"/>
+              <a:t>Public seed ensures fairness.</a:t>
+            </a:r>
+          </a:p>
+          <a:p>
+            <a:r>
+              <a:rPr lang="en-US" dirty="0"/>
+              <a:t>Advantages:</a:t>
+            </a:r>
+          </a:p>
+          <a:p>
+            <a:pPr lvl="1"/>
+            <a:r>
+              <a:rPr lang="en-US" dirty="0"/>
+              <a:t>Sybil attack resistance.</a:t>
+            </a:r>
+          </a:p>
+          <a:p>
+            <a:pPr lvl="1"/>
+            <a:r>
+              <a:rPr lang="en-US" dirty="0"/>
+              <a:t>Lightweight and scalable.</a:t>
+            </a:r>
+          </a:p>
+          <a:p>
+            <a:pPr lvl="1"/>
+            <a:r>
+              <a:rPr lang="en-US" dirty="0"/>
+              <a:t>Anonymity until selection is revealed.</a:t>
+            </a:r>
+          </a:p>
+        </p:txBody>
+      </p:sp>
+    </p:spTree>
+    <p:extLst>
+      <p:ext uri="{BB962C8B-B14F-4D97-AF65-F5344CB8AC3E}">
+        <p14:creationId xmlns:p14="http://schemas.microsoft.com/office/powerpoint/2010/main" val="3058453783"/>
+      </p:ext>
+    </p:extLst>
+  </p:cSld>
+  <p:clrMapOvr>
+    <a:overrideClrMapping bg1="lt1" tx1="dk1" bg2="lt2" tx2="dk2" accent1="accent1" accent2="accent2" accent3="accent3" accent4="accent4" accent5="accent5" accent6="accent6" hlink="hlink" folHlink="folHlink"/>
+  </p:clrMapOvr>
+</p:sld>
+</file>
+
+<file path=ppt/slides/slide12.xml><?xml version="1.0" encoding="utf-8"?>
+<p:sld xmlns:a="http://schemas.openxmlformats.org/drawingml/2006/main" xmlns:r="http://schemas.openxmlformats.org/officeDocument/2006/relationships" xmlns:p="http://schemas.openxmlformats.org/presentationml/2006/main">
+  <p:cSld>
     <p:bg>
       <p:bgRef idx="1001">
         <a:schemeClr val="bg1"/>
@@ -4022,7 +4345,7 @@
 </p:sld>
 </file>
 
-<file path=ppt/slides/slide11.xml><?xml version="1.0" encoding="utf-8"?>
+<file path=ppt/slides/slide13.xml><?xml version="1.0" encoding="utf-8"?>
 <p:sld xmlns:a="http://schemas.openxmlformats.org/drawingml/2006/main" xmlns:r="http://schemas.openxmlformats.org/officeDocument/2006/relationships" xmlns:p="http://schemas.openxmlformats.org/presentationml/2006/main">
   <p:cSld>
     <p:spTree>
@@ -4060,7 +4383,7 @@
         <p:spPr>
           <a:xfrm>
             <a:off x="899651" y="366623"/>
-            <a:ext cx="10392697" cy="6124754"/>
+            <a:ext cx="10392697" cy="5693866"/>
           </a:xfrm>
           <a:prstGeom prst="rect">
             <a:avLst/>
@@ -4126,13 +4449,6 @@
             <a:pPr lvl="1"/>
             <a:r>
               <a:rPr lang="en-US" dirty="0"/>
-              <a:t>Final consensus in ~4 steps under normal conditions.</a:t>
-            </a:r>
-          </a:p>
-          <a:p>
-            <a:pPr lvl="1"/>
-            <a:r>
-              <a:rPr lang="en-US" dirty="0"/>
               <a:t>Scalable to millions of users with fixed-size committees.</a:t>
             </a:r>
           </a:p>
@@ -4174,7 +4490,7 @@
 </p:sld>
 </file>
 
-<file path=ppt/slides/slide12.xml><?xml version="1.0" encoding="utf-8"?>
+<file path=ppt/slides/slide14.xml><?xml version="1.0" encoding="utf-8"?>
 <p:sld xmlns:a="http://schemas.openxmlformats.org/drawingml/2006/main" xmlns:r="http://schemas.openxmlformats.org/officeDocument/2006/relationships" xmlns:p="http://schemas.openxmlformats.org/presentationml/2006/main">
   <p:cSld>
     <p:spTree>
@@ -4326,12 +4642,18 @@
 </p:sld>
 </file>
 
-<file path=ppt/slides/slide2.xml><?xml version="1.0" encoding="utf-8"?>
+<file path=ppt/slides/slide15.xml><?xml version="1.0" encoding="utf-8"?>
 <p:sld xmlns:a="http://schemas.openxmlformats.org/drawingml/2006/main" xmlns:r="http://schemas.openxmlformats.org/officeDocument/2006/relationships" xmlns:p="http://schemas.openxmlformats.org/presentationml/2006/main">
   <p:cSld>
     <p:spTree>
       <p:nvGrpSpPr>
-        <p:cNvPr id="1" name=""/>
+        <p:cNvPr id="1" name="">
+          <a:extLst>
+            <a:ext uri="{FF2B5EF4-FFF2-40B4-BE49-F238E27FC236}">
+              <a16:creationId xmlns:a16="http://schemas.microsoft.com/office/drawing/2014/main" id="{B77D4189-B7BE-5F38-19E2-81A61677B5C8}"/>
+            </a:ext>
+          </a:extLst>
+        </p:cNvPr>
         <p:cNvGrpSpPr/>
         <p:nvPr/>
       </p:nvGrpSpPr>
@@ -4345,10 +4667,10 @@
       </p:grpSpPr>
       <p:sp>
         <p:nvSpPr>
-          <p:cNvPr id="5" name="תיבת טקסט 4">
-            <a:extLst>
-              <a:ext uri="{FF2B5EF4-FFF2-40B4-BE49-F238E27FC236}">
-                <a16:creationId xmlns:a16="http://schemas.microsoft.com/office/drawing/2014/main" id="{292C6C38-A934-7FE6-0A10-1EC366129B4D}"/>
+          <p:cNvPr id="3" name="תיבת טקסט 2">
+            <a:extLst>
+              <a:ext uri="{FF2B5EF4-FFF2-40B4-BE49-F238E27FC236}">
+                <a16:creationId xmlns:a16="http://schemas.microsoft.com/office/drawing/2014/main" id="{F5C4ACDE-F22A-7064-9F7A-F02786885C86}"/>
               </a:ext>
             </a:extLst>
           </p:cNvPr>
@@ -4357,8 +4679,8 @@
         </p:nvSpPr>
         <p:spPr>
           <a:xfrm>
-            <a:off x="698089" y="452284"/>
-            <a:ext cx="10137059" cy="5447645"/>
+            <a:off x="621726" y="2608202"/>
+            <a:ext cx="10785987" cy="1446550"/>
           </a:xfrm>
           <a:prstGeom prst="rect">
             <a:avLst/>
@@ -4369,258 +4691,182 @@
           <a:bodyPr wrap="square">
             <a:spAutoFit/>
           </a:bodyPr>
-          <a:lstStyle/>
-          <a:p>
-            <a:pPr algn="l" rtl="0"/>
-            <a:endParaRPr lang="en-US" sz="2800" b="1" dirty="0"/>
-          </a:p>
-          <a:p>
-            <a:pPr algn="l" rtl="0"/>
-            <a:r>
-              <a:rPr lang="en-US" sz="3200" b="1" dirty="0"/>
-              <a:t>Definition</a:t>
-            </a:r>
-            <a:r>
-              <a:rPr lang="en-US" sz="3200" dirty="0"/>
-              <a:t>: </a:t>
-            </a:r>
-            <a:r>
-              <a:rPr lang="en-US" sz="3200" b="1" i="0" dirty="0" err="1">
-                <a:solidFill>
-                  <a:srgbClr val="202122"/>
-                </a:solidFill>
-                <a:effectLst/>
-                <a:latin typeface="Arial" panose="020B0604020202020204" pitchFamily="34" charset="0"/>
-              </a:rPr>
-              <a:t>Algorand</a:t>
-            </a:r>
-            <a:r>
-              <a:rPr lang="en-US" sz="3200" b="0" i="0" dirty="0">
-                <a:solidFill>
-                  <a:srgbClr val="202122"/>
-                </a:solidFill>
-                <a:effectLst/>
-                <a:latin typeface="Arial" panose="020B0604020202020204" pitchFamily="34" charset="0"/>
-              </a:rPr>
-              <a:t> is a</a:t>
-            </a:r>
-            <a:r>
-              <a:rPr lang="en-US" sz="3200" dirty="0">
-                <a:solidFill>
-                  <a:srgbClr val="202122"/>
-                </a:solidFill>
-                <a:latin typeface="Arial" panose="020B0604020202020204" pitchFamily="34" charset="0"/>
-              </a:rPr>
-              <a:t> </a:t>
-            </a:r>
-            <a:r>
-              <a:rPr lang="en-US" sz="3200" dirty="0">
-                <a:solidFill>
-                  <a:srgbClr val="202122"/>
-                </a:solidFill>
-                <a:latin typeface="Arial" panose="020B0604020202020204" pitchFamily="34" charset="0"/>
-                <a:hlinkClick r:id="rId2" tooltip="Proof-of-stake">
-                  <a:extLst>
-                    <a:ext uri="{A12FA001-AC4F-418D-AE19-62706E023703}">
-                      <ahyp:hlinkClr xmlns:ahyp="http://schemas.microsoft.com/office/drawing/2018/hyperlinkcolor" val="tx"/>
-                    </a:ext>
-                  </a:extLst>
-                </a:hlinkClick>
-              </a:rPr>
-              <a:t>proof-of-stake</a:t>
-            </a:r>
-            <a:r>
-              <a:rPr lang="en-US" sz="3200" dirty="0">
-                <a:solidFill>
-                  <a:srgbClr val="202122"/>
-                </a:solidFill>
-                <a:latin typeface="Arial" panose="020B0604020202020204" pitchFamily="34" charset="0"/>
-              </a:rPr>
-              <a:t> </a:t>
-            </a:r>
-            <a:r>
-              <a:rPr lang="en-US" sz="3200" dirty="0">
-                <a:solidFill>
-                  <a:srgbClr val="202122"/>
-                </a:solidFill>
-                <a:latin typeface="Arial" panose="020B0604020202020204" pitchFamily="34" charset="0"/>
-                <a:hlinkClick r:id="rId3" tooltip="Blockchain">
-                  <a:extLst>
-                    <a:ext uri="{A12FA001-AC4F-418D-AE19-62706E023703}">
-                      <ahyp:hlinkClr xmlns:ahyp="http://schemas.microsoft.com/office/drawing/2018/hyperlinkcolor" val="tx"/>
-                    </a:ext>
-                  </a:extLst>
-                </a:hlinkClick>
-              </a:rPr>
-              <a:t>blockchain</a:t>
-            </a:r>
-            <a:r>
-              <a:rPr lang="en-US" sz="3200" dirty="0">
-                <a:solidFill>
-                  <a:srgbClr val="202122"/>
-                </a:solidFill>
-                <a:latin typeface="Arial" panose="020B0604020202020204" pitchFamily="34" charset="0"/>
-              </a:rPr>
-              <a:t> and </a:t>
-            </a:r>
-            <a:r>
-              <a:rPr lang="en-US" sz="3200" dirty="0">
-                <a:solidFill>
-                  <a:srgbClr val="202122"/>
-                </a:solidFill>
-                <a:latin typeface="Arial" panose="020B0604020202020204" pitchFamily="34" charset="0"/>
-                <a:hlinkClick r:id="rId4" tooltip="Cryptocurrency">
-                  <a:extLst>
-                    <a:ext uri="{A12FA001-AC4F-418D-AE19-62706E023703}">
-                      <ahyp:hlinkClr xmlns:ahyp="http://schemas.microsoft.com/office/drawing/2018/hyperlinkcolor" val="tx"/>
-                    </a:ext>
-                  </a:extLst>
-                </a:hlinkClick>
-              </a:rPr>
-              <a:t>cryptocurrency</a:t>
-            </a:r>
-            <a:r>
-              <a:rPr lang="en-US" sz="3200" dirty="0">
-                <a:solidFill>
-                  <a:srgbClr val="202122"/>
-                </a:solidFill>
-                <a:latin typeface="Arial" panose="020B0604020202020204" pitchFamily="34" charset="0"/>
-              </a:rPr>
-              <a:t>. </a:t>
-            </a:r>
-            <a:r>
-              <a:rPr lang="en-US" sz="3200" dirty="0" err="1">
-                <a:solidFill>
-                  <a:srgbClr val="202122"/>
-                </a:solidFill>
-                <a:latin typeface="Arial" panose="020B0604020202020204" pitchFamily="34" charset="0"/>
-              </a:rPr>
-              <a:t>Algorand's</a:t>
-            </a:r>
-            <a:r>
-              <a:rPr lang="en-US" sz="3200" dirty="0">
-                <a:solidFill>
-                  <a:srgbClr val="202122"/>
-                </a:solidFill>
-                <a:latin typeface="Arial" panose="020B0604020202020204" pitchFamily="34" charset="0"/>
-              </a:rPr>
-              <a:t> native cryptocurrency is called ALGO.</a:t>
-            </a:r>
-          </a:p>
-          <a:p>
-            <a:pPr algn="l" rtl="0">
+          <a:lstStyle>
+            <a:defPPr>
+              <a:defRPr lang="he-IL"/>
+            </a:defPPr>
+            <a:lvl1pPr algn="l" rtl="0">
+              <a:defRPr sz="2800" b="1"/>
+            </a:lvl1pPr>
+            <a:lvl2pPr marL="742950" lvl="1" indent="-285750" algn="l" rtl="0">
               <a:buFont typeface="Arial" panose="020B0604020202020204" pitchFamily="34" charset="0"/>
               <a:buChar char="•"/>
-            </a:pPr>
-            <a:endParaRPr lang="en-US" sz="3200" dirty="0">
-              <a:solidFill>
-                <a:srgbClr val="202122"/>
-              </a:solidFill>
-              <a:latin typeface="Arial" panose="020B0604020202020204" pitchFamily="34" charset="0"/>
-            </a:endParaRPr>
-          </a:p>
-          <a:p>
-            <a:pPr algn="l" rtl="0"/>
-            <a:r>
-              <a:rPr lang="en-US" sz="3200" b="1" i="0" dirty="0">
-                <a:solidFill>
-                  <a:srgbClr val="202122"/>
-                </a:solidFill>
-                <a:effectLst/>
-                <a:latin typeface="Arial" panose="020B0604020202020204" pitchFamily="34" charset="0"/>
-              </a:rPr>
-              <a:t>Proof-of-stake</a:t>
-            </a:r>
-            <a:r>
-              <a:rPr lang="en-US" sz="3200" b="0" i="0" dirty="0">
-                <a:solidFill>
-                  <a:srgbClr val="202122"/>
-                </a:solidFill>
-                <a:effectLst/>
-                <a:latin typeface="Arial" panose="020B0604020202020204" pitchFamily="34" charset="0"/>
-              </a:rPr>
-              <a:t> (</a:t>
-            </a:r>
-            <a:r>
-              <a:rPr lang="en-US" sz="3200" b="1" i="0" dirty="0" err="1">
-                <a:solidFill>
-                  <a:srgbClr val="202122"/>
-                </a:solidFill>
-                <a:effectLst/>
-                <a:latin typeface="Arial" panose="020B0604020202020204" pitchFamily="34" charset="0"/>
-              </a:rPr>
-              <a:t>PoS</a:t>
-            </a:r>
-            <a:r>
-              <a:rPr lang="en-US" sz="3200" b="0" i="0" dirty="0">
-                <a:solidFill>
-                  <a:srgbClr val="202122"/>
-                </a:solidFill>
-                <a:effectLst/>
-                <a:latin typeface="Arial" panose="020B0604020202020204" pitchFamily="34" charset="0"/>
-              </a:rPr>
-              <a:t>) protocols are a class of </a:t>
-            </a:r>
-            <a:r>
-              <a:rPr lang="en-US" sz="3200" b="0" i="0" u="none" strike="noStrike" dirty="0">
-                <a:effectLst/>
-                <a:latin typeface="Arial" panose="020B0604020202020204" pitchFamily="34" charset="0"/>
-              </a:rPr>
-              <a:t>consensus mechanisms</a:t>
-            </a:r>
-            <a:r>
-              <a:rPr lang="en-US" sz="3200" b="0" i="0" dirty="0">
-                <a:solidFill>
-                  <a:srgbClr val="202122"/>
-                </a:solidFill>
-                <a:effectLst/>
-                <a:latin typeface="Arial" panose="020B0604020202020204" pitchFamily="34" charset="0"/>
-              </a:rPr>
-              <a:t> for </a:t>
-            </a:r>
-            <a:r>
-              <a:rPr lang="en-US" sz="3200" b="0" i="0" u="none" strike="noStrike" dirty="0">
-                <a:effectLst/>
-                <a:latin typeface="Arial" panose="020B0604020202020204" pitchFamily="34" charset="0"/>
-              </a:rPr>
-              <a:t>blockchains</a:t>
-            </a:r>
-            <a:r>
-              <a:rPr lang="en-US" sz="3200" b="0" i="0" dirty="0">
-                <a:solidFill>
-                  <a:srgbClr val="202122"/>
-                </a:solidFill>
-                <a:effectLst/>
-                <a:latin typeface="Arial" panose="020B0604020202020204" pitchFamily="34" charset="0"/>
-              </a:rPr>
-              <a:t> that work by selecting validators in proportion to their quantity of holdings in the associated cryptocurrency. This is done to avoid the computational cost of </a:t>
-            </a:r>
-            <a:r>
-              <a:rPr lang="en-US" sz="3200" b="0" i="0" u="none" strike="noStrike" dirty="0">
-                <a:effectLst/>
-                <a:latin typeface="Arial" panose="020B0604020202020204" pitchFamily="34" charset="0"/>
-                <a:hlinkClick r:id="rId5" tooltip="Proof of work"/>
-              </a:rPr>
-              <a:t>proof-of-work</a:t>
-            </a:r>
-            <a:r>
-              <a:rPr lang="en-US" sz="3200" b="0" i="0" dirty="0">
-                <a:solidFill>
-                  <a:srgbClr val="202122"/>
-                </a:solidFill>
-                <a:effectLst/>
-                <a:latin typeface="Arial" panose="020B0604020202020204" pitchFamily="34" charset="0"/>
-              </a:rPr>
-              <a:t> (POW) schemes.</a:t>
-            </a:r>
-            <a:endParaRPr lang="en-US" sz="2800" b="1" dirty="0"/>
+              <a:defRPr sz="2800"/>
+            </a:lvl2pPr>
+          </a:lstStyle>
+          <a:p>
+            <a:pPr algn="ctr"/>
+            <a:r>
+              <a:rPr lang="en-US" sz="8800" dirty="0"/>
+              <a:t>Live Demo🦔</a:t>
+            </a:r>
           </a:p>
         </p:txBody>
       </p:sp>
     </p:spTree>
     <p:extLst>
       <p:ext uri="{BB962C8B-B14F-4D97-AF65-F5344CB8AC3E}">
-        <p14:creationId xmlns:p14="http://schemas.microsoft.com/office/powerpoint/2010/main" val="2043855764"/>
+        <p14:creationId xmlns:p14="http://schemas.microsoft.com/office/powerpoint/2010/main" val="1319410793"/>
+      </p:ext>
+    </p:extLst>
+  </p:cSld>
+  <p:clrMapOvr>
+    <a:masterClrMapping/>
+  </p:clrMapOvr>
+</p:sld>
+</file>
+
+<file path=ppt/slides/slide16.xml><?xml version="1.0" encoding="utf-8"?>
+<p:sld xmlns:a="http://schemas.openxmlformats.org/drawingml/2006/main" xmlns:r="http://schemas.openxmlformats.org/officeDocument/2006/relationships" xmlns:p="http://schemas.openxmlformats.org/presentationml/2006/main">
+  <p:cSld>
+    <p:spTree>
+      <p:nvGrpSpPr>
+        <p:cNvPr id="1" name="">
+          <a:extLst>
+            <a:ext uri="{FF2B5EF4-FFF2-40B4-BE49-F238E27FC236}">
+              <a16:creationId xmlns:a16="http://schemas.microsoft.com/office/drawing/2014/main" id="{C0D9C454-709D-BBE6-6140-659FADB91415}"/>
+            </a:ext>
+          </a:extLst>
+        </p:cNvPr>
+        <p:cNvGrpSpPr/>
+        <p:nvPr/>
+      </p:nvGrpSpPr>
+      <p:grpSpPr>
+        <a:xfrm>
+          <a:off x="0" y="0"/>
+          <a:ext cx="0" cy="0"/>
+          <a:chOff x="0" y="0"/>
+          <a:chExt cx="0" cy="0"/>
+        </a:xfrm>
+      </p:grpSpPr>
+      <p:sp>
+        <p:nvSpPr>
+          <p:cNvPr id="3" name="תיבת טקסט 2">
+            <a:extLst>
+              <a:ext uri="{FF2B5EF4-FFF2-40B4-BE49-F238E27FC236}">
+                <a16:creationId xmlns:a16="http://schemas.microsoft.com/office/drawing/2014/main" id="{FBAB20B2-5F19-ECE0-8E43-8864DB04A8F4}"/>
+              </a:ext>
+            </a:extLst>
+          </p:cNvPr>
+          <p:cNvSpPr txBox="1"/>
+          <p:nvPr/>
+        </p:nvSpPr>
+        <p:spPr>
+          <a:xfrm>
+            <a:off x="621726" y="2608202"/>
+            <a:ext cx="10785987" cy="1446550"/>
+          </a:xfrm>
+          <a:prstGeom prst="rect">
+            <a:avLst/>
+          </a:prstGeom>
+          <a:noFill/>
+        </p:spPr>
+        <p:txBody>
+          <a:bodyPr wrap="square">
+            <a:spAutoFit/>
+          </a:bodyPr>
+          <a:lstStyle>
+            <a:defPPr>
+              <a:defRPr lang="he-IL"/>
+            </a:defPPr>
+            <a:lvl1pPr algn="l" rtl="0">
+              <a:defRPr sz="2800" b="1"/>
+            </a:lvl1pPr>
+            <a:lvl2pPr marL="742950" lvl="1" indent="-285750" algn="l" rtl="0">
+              <a:buFont typeface="Arial" panose="020B0604020202020204" pitchFamily="34" charset="0"/>
+              <a:buChar char="•"/>
+              <a:defRPr sz="2800"/>
+            </a:lvl2pPr>
+          </a:lstStyle>
+          <a:p>
+            <a:pPr algn="ctr"/>
+            <a:r>
+              <a:rPr lang="en-US" sz="8800" dirty="0"/>
+              <a:t>Questions🐬</a:t>
+            </a:r>
+          </a:p>
+        </p:txBody>
+      </p:sp>
+    </p:spTree>
+    <p:extLst>
+      <p:ext uri="{BB962C8B-B14F-4D97-AF65-F5344CB8AC3E}">
+        <p14:creationId xmlns:p14="http://schemas.microsoft.com/office/powerpoint/2010/main" val="712589097"/>
+      </p:ext>
+    </p:extLst>
+  </p:cSld>
+  <p:clrMapOvr>
+    <a:masterClrMapping/>
+  </p:clrMapOvr>
+</p:sld>
+</file>
+
+<file path=ppt/slides/slide2.xml><?xml version="1.0" encoding="utf-8"?>
+<p:sld xmlns:a="http://schemas.openxmlformats.org/drawingml/2006/main" xmlns:r="http://schemas.openxmlformats.org/officeDocument/2006/relationships" xmlns:p="http://schemas.openxmlformats.org/presentationml/2006/main" show="0">
+  <p:cSld>
+    <p:spTree>
+      <p:nvGrpSpPr>
+        <p:cNvPr id="1" name="">
+          <a:extLst>
+            <a:ext uri="{FF2B5EF4-FFF2-40B4-BE49-F238E27FC236}">
+              <a16:creationId xmlns:a16="http://schemas.microsoft.com/office/drawing/2014/main" id="{FBF99950-6720-B7CF-5390-85B1F5DECB07}"/>
+            </a:ext>
+          </a:extLst>
+        </p:cNvPr>
+        <p:cNvGrpSpPr/>
+        <p:nvPr/>
+      </p:nvGrpSpPr>
+      <p:grpSpPr>
+        <a:xfrm>
+          <a:off x="0" y="0"/>
+          <a:ext cx="0" cy="0"/>
+          <a:chOff x="0" y="0"/>
+          <a:chExt cx="0" cy="0"/>
+        </a:xfrm>
+      </p:grpSpPr>
+      <p:pic>
+        <p:nvPicPr>
+          <p:cNvPr id="3" name="תמונה 2">
+            <a:extLst>
+              <a:ext uri="{FF2B5EF4-FFF2-40B4-BE49-F238E27FC236}">
+                <a16:creationId xmlns:a16="http://schemas.microsoft.com/office/drawing/2014/main" id="{27B02C68-7C8F-470F-6FBF-9AEA42AD0521}"/>
+              </a:ext>
+            </a:extLst>
+          </p:cNvPr>
+          <p:cNvPicPr>
+            <a:picLocks noChangeAspect="1"/>
+          </p:cNvPicPr>
+          <p:nvPr/>
+        </p:nvPicPr>
+        <p:blipFill>
+          <a:blip r:embed="rId2"/>
+          <a:stretch>
+            <a:fillRect/>
+          </a:stretch>
+        </p:blipFill>
+        <p:spPr>
+          <a:xfrm>
+            <a:off x="721360" y="1310640"/>
+            <a:ext cx="10942320" cy="3982720"/>
+          </a:xfrm>
+          <a:prstGeom prst="rect">
+            <a:avLst/>
+          </a:prstGeom>
+        </p:spPr>
+      </p:pic>
+    </p:spTree>
+    <p:extLst>
+      <p:ext uri="{BB962C8B-B14F-4D97-AF65-F5344CB8AC3E}">
+        <p14:creationId xmlns:p14="http://schemas.microsoft.com/office/powerpoint/2010/main" val="214244876"/>
       </p:ext>
     </p:extLst>
   </p:cSld>
@@ -4649,10 +4895,10 @@
       </p:grpSpPr>
       <p:sp>
         <p:nvSpPr>
-          <p:cNvPr id="3" name="תיבת טקסט 2">
-            <a:extLst>
-              <a:ext uri="{FF2B5EF4-FFF2-40B4-BE49-F238E27FC236}">
-                <a16:creationId xmlns:a16="http://schemas.microsoft.com/office/drawing/2014/main" id="{78B3279C-E639-66C2-85A5-CCFBA706C655}"/>
+          <p:cNvPr id="5" name="תיבת טקסט 4">
+            <a:extLst>
+              <a:ext uri="{FF2B5EF4-FFF2-40B4-BE49-F238E27FC236}">
+                <a16:creationId xmlns:a16="http://schemas.microsoft.com/office/drawing/2014/main" id="{292C6C38-A934-7FE6-0A10-1EC366129B4D}"/>
               </a:ext>
             </a:extLst>
           </p:cNvPr>
@@ -4661,8 +4907,8 @@
         </p:nvSpPr>
         <p:spPr>
           <a:xfrm>
-            <a:off x="410993" y="377466"/>
-            <a:ext cx="10590990" cy="5262979"/>
+            <a:off x="698089" y="452284"/>
+            <a:ext cx="10137059" cy="5447645"/>
           </a:xfrm>
           <a:prstGeom prst="rect">
             <a:avLst/>
@@ -4675,6 +4921,316 @@
           </a:bodyPr>
           <a:lstStyle/>
           <a:p>
+            <a:pPr algn="l" rtl="0"/>
+            <a:endParaRPr lang="en-US" sz="2800" b="1" dirty="0"/>
+          </a:p>
+          <a:p>
+            <a:pPr algn="l" rtl="0"/>
+            <a:r>
+              <a:rPr lang="en-US" sz="3200" b="1" dirty="0"/>
+              <a:t>Definition</a:t>
+            </a:r>
+            <a:r>
+              <a:rPr lang="en-US" sz="3200" dirty="0"/>
+              <a:t>: </a:t>
+            </a:r>
+            <a:r>
+              <a:rPr lang="en-US" sz="3200" b="1" i="0" dirty="0" err="1">
+                <a:solidFill>
+                  <a:srgbClr val="202122"/>
+                </a:solidFill>
+                <a:effectLst/>
+                <a:latin typeface="Arial" panose="020B0604020202020204" pitchFamily="34" charset="0"/>
+              </a:rPr>
+              <a:t>Algorand</a:t>
+            </a:r>
+            <a:r>
+              <a:rPr lang="en-US" sz="3200" b="0" i="0" dirty="0">
+                <a:solidFill>
+                  <a:srgbClr val="202122"/>
+                </a:solidFill>
+                <a:effectLst/>
+                <a:latin typeface="Arial" panose="020B0604020202020204" pitchFamily="34" charset="0"/>
+              </a:rPr>
+              <a:t> is a</a:t>
+            </a:r>
+            <a:r>
+              <a:rPr lang="en-US" sz="3200" dirty="0">
+                <a:solidFill>
+                  <a:srgbClr val="202122"/>
+                </a:solidFill>
+                <a:latin typeface="Arial" panose="020B0604020202020204" pitchFamily="34" charset="0"/>
+              </a:rPr>
+              <a:t> </a:t>
+            </a:r>
+            <a:r>
+              <a:rPr lang="en-US" sz="3200" dirty="0">
+                <a:solidFill>
+                  <a:srgbClr val="202122"/>
+                </a:solidFill>
+                <a:latin typeface="Arial" panose="020B0604020202020204" pitchFamily="34" charset="0"/>
+                <a:hlinkClick r:id="rId2"/>
+              </a:rPr>
+              <a:t>Proof-of Stake</a:t>
+            </a:r>
+            <a:r>
+              <a:rPr lang="en-US" sz="3200" dirty="0">
+                <a:solidFill>
+                  <a:srgbClr val="202122"/>
+                </a:solidFill>
+                <a:latin typeface="Arial" panose="020B0604020202020204" pitchFamily="34" charset="0"/>
+              </a:rPr>
+              <a:t> </a:t>
+            </a:r>
+            <a:r>
+              <a:rPr lang="en-US" sz="3200" dirty="0">
+                <a:solidFill>
+                  <a:srgbClr val="202122"/>
+                </a:solidFill>
+                <a:latin typeface="Arial" panose="020B0604020202020204" pitchFamily="34" charset="0"/>
+                <a:hlinkClick r:id="rId3" tooltip="Blockchain">
+                  <a:extLst>
+                    <a:ext uri="{A12FA001-AC4F-418D-AE19-62706E023703}">
+                      <ahyp:hlinkClr xmlns:ahyp="http://schemas.microsoft.com/office/drawing/2018/hyperlinkcolor" val="tx"/>
+                    </a:ext>
+                  </a:extLst>
+                </a:hlinkClick>
+              </a:rPr>
+              <a:t>blockchain</a:t>
+            </a:r>
+            <a:r>
+              <a:rPr lang="en-US" sz="3200" dirty="0">
+                <a:solidFill>
+                  <a:srgbClr val="202122"/>
+                </a:solidFill>
+                <a:latin typeface="Arial" panose="020B0604020202020204" pitchFamily="34" charset="0"/>
+              </a:rPr>
+              <a:t>. </a:t>
+            </a:r>
+            <a:r>
+              <a:rPr lang="en-US" sz="3200" dirty="0" err="1">
+                <a:solidFill>
+                  <a:srgbClr val="202122"/>
+                </a:solidFill>
+                <a:latin typeface="Arial" panose="020B0604020202020204" pitchFamily="34" charset="0"/>
+              </a:rPr>
+              <a:t>Algorand's</a:t>
+            </a:r>
+            <a:r>
+              <a:rPr lang="en-US" sz="3200" dirty="0">
+                <a:solidFill>
+                  <a:srgbClr val="202122"/>
+                </a:solidFill>
+                <a:latin typeface="Arial" panose="020B0604020202020204" pitchFamily="34" charset="0"/>
+              </a:rPr>
+              <a:t> native cryptocurrency is called ALGO.</a:t>
+            </a:r>
+          </a:p>
+          <a:p>
+            <a:pPr algn="l" rtl="0">
+              <a:buFont typeface="Arial" panose="020B0604020202020204" pitchFamily="34" charset="0"/>
+              <a:buChar char="•"/>
+            </a:pPr>
+            <a:endParaRPr lang="en-US" sz="3200" dirty="0">
+              <a:solidFill>
+                <a:srgbClr val="202122"/>
+              </a:solidFill>
+              <a:latin typeface="Arial" panose="020B0604020202020204" pitchFamily="34" charset="0"/>
+            </a:endParaRPr>
+          </a:p>
+          <a:p>
+            <a:pPr algn="l" rtl="0"/>
+            <a:r>
+              <a:rPr lang="en-US" sz="3200" b="1" i="0" dirty="0">
+                <a:solidFill>
+                  <a:srgbClr val="202122"/>
+                </a:solidFill>
+                <a:effectLst/>
+                <a:latin typeface="Arial" panose="020B0604020202020204" pitchFamily="34" charset="0"/>
+              </a:rPr>
+              <a:t>Proof-of-Stake</a:t>
+            </a:r>
+            <a:r>
+              <a:rPr lang="en-US" sz="3200" b="0" i="0" dirty="0">
+                <a:solidFill>
+                  <a:srgbClr val="202122"/>
+                </a:solidFill>
+                <a:effectLst/>
+                <a:latin typeface="Arial" panose="020B0604020202020204" pitchFamily="34" charset="0"/>
+              </a:rPr>
+              <a:t> (</a:t>
+            </a:r>
+            <a:r>
+              <a:rPr lang="en-US" sz="3200" b="1" i="0" dirty="0" err="1">
+                <a:solidFill>
+                  <a:srgbClr val="202122"/>
+                </a:solidFill>
+                <a:effectLst/>
+                <a:latin typeface="Arial" panose="020B0604020202020204" pitchFamily="34" charset="0"/>
+              </a:rPr>
+              <a:t>PoS</a:t>
+            </a:r>
+            <a:r>
+              <a:rPr lang="en-US" sz="3200" b="0" i="0" dirty="0">
+                <a:solidFill>
+                  <a:srgbClr val="202122"/>
+                </a:solidFill>
+                <a:effectLst/>
+                <a:latin typeface="Arial" panose="020B0604020202020204" pitchFamily="34" charset="0"/>
+              </a:rPr>
+              <a:t>) protocols are a class of </a:t>
+            </a:r>
+            <a:r>
+              <a:rPr lang="en-US" sz="3200" b="1" i="0" u="sng" strike="noStrike" dirty="0">
+                <a:effectLst/>
+                <a:latin typeface="Arial" panose="020B0604020202020204" pitchFamily="34" charset="0"/>
+              </a:rPr>
+              <a:t>consensus</a:t>
+            </a:r>
+            <a:r>
+              <a:rPr lang="en-US" sz="3200" b="0" i="0" u="none" strike="noStrike" dirty="0">
+                <a:effectLst/>
+                <a:latin typeface="Arial" panose="020B0604020202020204" pitchFamily="34" charset="0"/>
+              </a:rPr>
+              <a:t> mechanisms</a:t>
+            </a:r>
+            <a:r>
+              <a:rPr lang="en-US" sz="3200" b="0" i="0" dirty="0">
+                <a:solidFill>
+                  <a:srgbClr val="202122"/>
+                </a:solidFill>
+                <a:effectLst/>
+                <a:latin typeface="Arial" panose="020B0604020202020204" pitchFamily="34" charset="0"/>
+              </a:rPr>
+              <a:t> for </a:t>
+            </a:r>
+            <a:r>
+              <a:rPr lang="en-US" sz="3200" b="0" i="0" u="none" strike="noStrike" dirty="0">
+                <a:effectLst/>
+                <a:latin typeface="Arial" panose="020B0604020202020204" pitchFamily="34" charset="0"/>
+              </a:rPr>
+              <a:t>blockchains</a:t>
+            </a:r>
+            <a:r>
+              <a:rPr lang="en-US" sz="3200" b="0" i="0" dirty="0">
+                <a:solidFill>
+                  <a:srgbClr val="202122"/>
+                </a:solidFill>
+                <a:effectLst/>
+                <a:latin typeface="Arial" panose="020B0604020202020204" pitchFamily="34" charset="0"/>
+              </a:rPr>
+              <a:t> that work by selecting </a:t>
+            </a:r>
+            <a:r>
+              <a:rPr lang="en-US" sz="3200" b="1" i="0" u="sng" dirty="0">
+                <a:solidFill>
+                  <a:srgbClr val="202122"/>
+                </a:solidFill>
+                <a:effectLst/>
+                <a:latin typeface="Arial" panose="020B0604020202020204" pitchFamily="34" charset="0"/>
+              </a:rPr>
+              <a:t>validators</a:t>
+            </a:r>
+            <a:r>
+              <a:rPr lang="en-US" sz="3200" b="0" i="0" dirty="0">
+                <a:solidFill>
+                  <a:srgbClr val="202122"/>
+                </a:solidFill>
+                <a:effectLst/>
+                <a:latin typeface="Arial" panose="020B0604020202020204" pitchFamily="34" charset="0"/>
+              </a:rPr>
+              <a:t> in proportion to their quantity of holdings in the associated cryptocurrency. This is done to avoid the computational cost of </a:t>
+            </a:r>
+            <a:r>
+              <a:rPr lang="en-US" sz="3200" dirty="0">
+                <a:solidFill>
+                  <a:srgbClr val="202122"/>
+                </a:solidFill>
+                <a:latin typeface="Arial" panose="020B0604020202020204" pitchFamily="34" charset="0"/>
+                <a:hlinkClick r:id="rId4"/>
+              </a:rPr>
+              <a:t>P</a:t>
+            </a:r>
+            <a:r>
+              <a:rPr lang="en-US" sz="3200" b="0" i="0" u="none" strike="noStrike" dirty="0">
+                <a:effectLst/>
+                <a:latin typeface="Arial" panose="020B0604020202020204" pitchFamily="34" charset="0"/>
+                <a:hlinkClick r:id="rId4"/>
+              </a:rPr>
+              <a:t>roof-of-Work</a:t>
+            </a:r>
+            <a:r>
+              <a:rPr lang="en-US" sz="3200" b="0" i="0" dirty="0">
+                <a:solidFill>
+                  <a:srgbClr val="202122"/>
+                </a:solidFill>
+                <a:effectLst/>
+                <a:latin typeface="Arial" panose="020B0604020202020204" pitchFamily="34" charset="0"/>
+              </a:rPr>
+              <a:t> (PoW) schemes.</a:t>
+            </a:r>
+            <a:endParaRPr lang="en-US" sz="2800" b="1" dirty="0"/>
+          </a:p>
+        </p:txBody>
+      </p:sp>
+    </p:spTree>
+    <p:extLst>
+      <p:ext uri="{BB962C8B-B14F-4D97-AF65-F5344CB8AC3E}">
+        <p14:creationId xmlns:p14="http://schemas.microsoft.com/office/powerpoint/2010/main" val="2043855764"/>
+      </p:ext>
+    </p:extLst>
+  </p:cSld>
+  <p:clrMapOvr>
+    <a:masterClrMapping/>
+  </p:clrMapOvr>
+</p:sld>
+</file>
+
+<file path=ppt/slides/slide4.xml><?xml version="1.0" encoding="utf-8"?>
+<p:sld xmlns:a="http://schemas.openxmlformats.org/drawingml/2006/main" xmlns:r="http://schemas.openxmlformats.org/officeDocument/2006/relationships" xmlns:p="http://schemas.openxmlformats.org/presentationml/2006/main">
+  <p:cSld>
+    <p:spTree>
+      <p:nvGrpSpPr>
+        <p:cNvPr id="1" name=""/>
+        <p:cNvGrpSpPr/>
+        <p:nvPr/>
+      </p:nvGrpSpPr>
+      <p:grpSpPr>
+        <a:xfrm>
+          <a:off x="0" y="0"/>
+          <a:ext cx="0" cy="0"/>
+          <a:chOff x="0" y="0"/>
+          <a:chExt cx="0" cy="0"/>
+        </a:xfrm>
+      </p:grpSpPr>
+      <p:sp>
+        <p:nvSpPr>
+          <p:cNvPr id="3" name="תיבת טקסט 2">
+            <a:extLst>
+              <a:ext uri="{FF2B5EF4-FFF2-40B4-BE49-F238E27FC236}">
+                <a16:creationId xmlns:a16="http://schemas.microsoft.com/office/drawing/2014/main" id="{78B3279C-E639-66C2-85A5-CCFBA706C655}"/>
+              </a:ext>
+            </a:extLst>
+          </p:cNvPr>
+          <p:cNvSpPr txBox="1"/>
+          <p:nvPr/>
+        </p:nvSpPr>
+        <p:spPr>
+          <a:xfrm>
+            <a:off x="410993" y="377466"/>
+            <a:ext cx="10590990" cy="5632311"/>
+          </a:xfrm>
+          <a:prstGeom prst="rect">
+            <a:avLst/>
+          </a:prstGeom>
+          <a:noFill/>
+        </p:spPr>
+        <p:txBody>
+          <a:bodyPr wrap="square">
+            <a:spAutoFit/>
+          </a:bodyPr>
+          <a:lstStyle/>
+          <a:p>
             <a:pPr algn="l"/>
             <a:r>
               <a:rPr lang="en-US" sz="2400" b="1" dirty="0"/>
@@ -4682,7 +5238,15 @@
             </a:r>
             <a:r>
               <a:rPr lang="en-US" sz="2400" dirty="0"/>
-              <a:t>: In September 2024, the platform experienced a surge in user activity, with monthly active users increasing by nearly 34% from August, reaching a yearly high of approximately 1.34 million.</a:t>
+              <a:t>: In September 2024, the platform experienced a surge in user activity, with monthly active users increasing by nearly 34% from August, reaching a </a:t>
+            </a:r>
+            <a:r>
+              <a:rPr lang="en-US" sz="2400" b="1" dirty="0"/>
+              <a:t>yearly high of approximately 1.34 million</a:t>
+            </a:r>
+            <a:r>
+              <a:rPr lang="en-US" sz="2400" dirty="0"/>
+              <a:t>.</a:t>
             </a:r>
           </a:p>
           <a:p>
@@ -4705,7 +5269,15 @@
             </a:r>
             <a:r>
               <a:rPr lang="en-US" sz="2400" dirty="0"/>
-              <a:t> achieved a record of 5,716 transactions per second (TPS), placing it among the top three blockchains in terms of maximum recorded TPS.</a:t>
+              <a:t> achieved a </a:t>
+            </a:r>
+            <a:r>
+              <a:rPr lang="en-US" sz="2400" b="1" dirty="0"/>
+              <a:t>record of 5,716 transactions per second (TPS)</a:t>
+            </a:r>
+            <a:r>
+              <a:rPr lang="en-US" sz="2400" dirty="0"/>
+              <a:t>, placing it among the top three blockchains in terms of maximum recorded TPS.</a:t>
             </a:r>
           </a:p>
           <a:p>
@@ -4728,7 +5300,23 @@
             </a:r>
             <a:r>
               <a:rPr lang="en-US" sz="2400" dirty="0"/>
-              <a:t> had accumulated a total of 35 million accounts, with an average of 800,000 monthly active users.</a:t>
+              <a:t> had accumulated a total of </a:t>
+            </a:r>
+            <a:r>
+              <a:rPr lang="en-US" sz="2400" b="1" dirty="0"/>
+              <a:t>35 million accounts</a:t>
+            </a:r>
+            <a:r>
+              <a:rPr lang="en-US" sz="2400" dirty="0"/>
+              <a:t>, with an average of </a:t>
+            </a:r>
+            <a:r>
+              <a:rPr lang="en-US" sz="2400" b="1" dirty="0"/>
+              <a:t>800,000 monthly active users</a:t>
+            </a:r>
+            <a:r>
+              <a:rPr lang="en-US" sz="2400" dirty="0"/>
+              <a:t>.</a:t>
             </a:r>
           </a:p>
           <a:p>
@@ -4743,9 +5331,20 @@
             </a:r>
             <a:r>
               <a:rPr lang="en-US" sz="2400" dirty="0"/>
-              <a:t>: On January 1, 2024, the network reached an all-time high of 43 million transactions in a single day, demonstrating its capacity to handle substantial activity without performance issues.</a:t>
-            </a:r>
-            <a:endParaRPr lang="he-IL" sz="2400" dirty="0"/>
+              <a:t>: On January 1, 2024, the network reached an all-time high of </a:t>
+            </a:r>
+            <a:r>
+              <a:rPr lang="en-US" sz="2400" b="1" dirty="0"/>
+              <a:t>43 million transactions in a single day</a:t>
+            </a:r>
+            <a:r>
+              <a:rPr lang="en-US" sz="2400" dirty="0"/>
+              <a:t>, demonstrating its capacity to handle substantial activity without performance issues.</a:t>
+            </a:r>
+          </a:p>
+          <a:p>
+            <a:pPr algn="l"/>
+            <a:endParaRPr lang="en-US" sz="2400" dirty="0"/>
           </a:p>
         </p:txBody>
       </p:sp>
@@ -4762,7 +5361,73 @@
 </p:sld>
 </file>
 
-<file path=ppt/slides/slide4.xml><?xml version="1.0" encoding="utf-8"?>
+<file path=ppt/slides/slide5.xml><?xml version="1.0" encoding="utf-8"?>
+<p:sld xmlns:a="http://schemas.openxmlformats.org/drawingml/2006/main" xmlns:r="http://schemas.openxmlformats.org/officeDocument/2006/relationships" xmlns:p="http://schemas.openxmlformats.org/presentationml/2006/main">
+  <p:cSld>
+    <p:spTree>
+      <p:nvGrpSpPr>
+        <p:cNvPr id="1" name="">
+          <a:extLst>
+            <a:ext uri="{FF2B5EF4-FFF2-40B4-BE49-F238E27FC236}">
+              <a16:creationId xmlns:a16="http://schemas.microsoft.com/office/drawing/2014/main" id="{9553099E-3280-BFC0-812F-D3B95967E970}"/>
+            </a:ext>
+          </a:extLst>
+        </p:cNvPr>
+        <p:cNvGrpSpPr/>
+        <p:nvPr/>
+      </p:nvGrpSpPr>
+      <p:grpSpPr>
+        <a:xfrm>
+          <a:off x="0" y="0"/>
+          <a:ext cx="0" cy="0"/>
+          <a:chOff x="0" y="0"/>
+          <a:chExt cx="0" cy="0"/>
+        </a:xfrm>
+      </p:grpSpPr>
+      <p:pic>
+        <p:nvPicPr>
+          <p:cNvPr id="4" name="תמונה 3">
+            <a:extLst>
+              <a:ext uri="{FF2B5EF4-FFF2-40B4-BE49-F238E27FC236}">
+                <a16:creationId xmlns:a16="http://schemas.microsoft.com/office/drawing/2014/main" id="{B6FAE21F-6E31-D250-F9A0-48214A25C53F}"/>
+              </a:ext>
+            </a:extLst>
+          </p:cNvPr>
+          <p:cNvPicPr>
+            <a:picLocks noChangeAspect="1"/>
+          </p:cNvPicPr>
+          <p:nvPr/>
+        </p:nvPicPr>
+        <p:blipFill>
+          <a:blip r:embed="rId2"/>
+          <a:stretch>
+            <a:fillRect/>
+          </a:stretch>
+        </p:blipFill>
+        <p:spPr>
+          <a:xfrm>
+            <a:off x="3688743" y="543886"/>
+            <a:ext cx="5140297" cy="5412083"/>
+          </a:xfrm>
+          <a:prstGeom prst="rect">
+            <a:avLst/>
+          </a:prstGeom>
+        </p:spPr>
+      </p:pic>
+    </p:spTree>
+    <p:extLst>
+      <p:ext uri="{BB962C8B-B14F-4D97-AF65-F5344CB8AC3E}">
+        <p14:creationId xmlns:p14="http://schemas.microsoft.com/office/powerpoint/2010/main" val="1430311594"/>
+      </p:ext>
+    </p:extLst>
+  </p:cSld>
+  <p:clrMapOvr>
+    <a:masterClrMapping/>
+  </p:clrMapOvr>
+</p:sld>
+</file>
+
+<file path=ppt/slides/slide6.xml><?xml version="1.0" encoding="utf-8"?>
 <p:sld xmlns:a="http://schemas.openxmlformats.org/drawingml/2006/main" xmlns:r="http://schemas.openxmlformats.org/officeDocument/2006/relationships" xmlns:p="http://schemas.openxmlformats.org/presentationml/2006/main">
   <p:cSld>
     <p:spTree>
@@ -4821,7 +5486,7 @@
 </p:sld>
 </file>
 
-<file path=ppt/slides/slide5.xml><?xml version="1.0" encoding="utf-8"?>
+<file path=ppt/slides/slide7.xml><?xml version="1.0" encoding="utf-8"?>
 <p:sld xmlns:a="http://schemas.openxmlformats.org/drawingml/2006/main" xmlns:r="http://schemas.openxmlformats.org/officeDocument/2006/relationships" xmlns:p="http://schemas.openxmlformats.org/presentationml/2006/main">
   <p:cSld>
     <p:spTree>
@@ -4880,7 +5545,7 @@
 </p:sld>
 </file>
 
-<file path=ppt/slides/slide6.xml><?xml version="1.0" encoding="utf-8"?>
+<file path=ppt/slides/slide8.xml><?xml version="1.0" encoding="utf-8"?>
 <p:sld xmlns:a="http://schemas.openxmlformats.org/drawingml/2006/main" xmlns:r="http://schemas.openxmlformats.org/officeDocument/2006/relationships" xmlns:p="http://schemas.openxmlformats.org/presentationml/2006/main">
   <p:cSld>
     <p:bg>
@@ -5109,7 +5774,7 @@
 </p:sld>
 </file>
 
-<file path=ppt/slides/slide7.xml><?xml version="1.0" encoding="utf-8"?>
+<file path=ppt/slides/slide9.xml><?xml version="1.0" encoding="utf-8"?>
 <p:sld xmlns:a="http://schemas.openxmlformats.org/drawingml/2006/main" xmlns:r="http://schemas.openxmlformats.org/officeDocument/2006/relationships" xmlns:p="http://schemas.openxmlformats.org/presentationml/2006/main">
   <p:cSld>
     <p:spTree>
@@ -5170,313 +5835,6 @@
   </p:cSld>
   <p:clrMapOvr>
     <a:masterClrMapping/>
-  </p:clrMapOvr>
-</p:sld>
-</file>
-
-<file path=ppt/slides/slide8.xml><?xml version="1.0" encoding="utf-8"?>
-<p:sld xmlns:a="http://schemas.openxmlformats.org/drawingml/2006/main" xmlns:r="http://schemas.openxmlformats.org/officeDocument/2006/relationships" xmlns:p="http://schemas.openxmlformats.org/presentationml/2006/main">
-  <p:cSld>
-    <p:spTree>
-      <p:nvGrpSpPr>
-        <p:cNvPr id="1" name="">
-          <a:extLst>
-            <a:ext uri="{FF2B5EF4-FFF2-40B4-BE49-F238E27FC236}">
-              <a16:creationId xmlns:a16="http://schemas.microsoft.com/office/drawing/2014/main" id="{E3B4697E-BF83-F15C-78B2-67520C24CD66}"/>
-            </a:ext>
-          </a:extLst>
-        </p:cNvPr>
-        <p:cNvGrpSpPr/>
-        <p:nvPr/>
-      </p:nvGrpSpPr>
-      <p:grpSpPr>
-        <a:xfrm>
-          <a:off x="0" y="0"/>
-          <a:ext cx="0" cy="0"/>
-          <a:chOff x="0" y="0"/>
-          <a:chExt cx="0" cy="0"/>
-        </a:xfrm>
-      </p:grpSpPr>
-      <p:sp>
-        <p:nvSpPr>
-          <p:cNvPr id="5" name="תיבת טקסט 4">
-            <a:extLst>
-              <a:ext uri="{FF2B5EF4-FFF2-40B4-BE49-F238E27FC236}">
-                <a16:creationId xmlns:a16="http://schemas.microsoft.com/office/drawing/2014/main" id="{CB622BA6-ABEA-3A46-F3C6-BAF7CFF5B476}"/>
-              </a:ext>
-            </a:extLst>
-          </p:cNvPr>
-          <p:cNvSpPr txBox="1"/>
-          <p:nvPr/>
-        </p:nvSpPr>
-        <p:spPr>
-          <a:xfrm>
-            <a:off x="698089" y="452284"/>
-            <a:ext cx="10137059" cy="4832092"/>
-          </a:xfrm>
-          <a:prstGeom prst="rect">
-            <a:avLst/>
-          </a:prstGeom>
-          <a:noFill/>
-        </p:spPr>
-        <p:txBody>
-          <a:bodyPr wrap="square">
-            <a:spAutoFit/>
-          </a:bodyPr>
-          <a:lstStyle/>
-          <a:p>
-            <a:pPr algn="l" rtl="0"/>
-            <a:endParaRPr lang="en-US" sz="2800" b="1" dirty="0"/>
-          </a:p>
-          <a:p>
-            <a:pPr algn="l" rtl="0">
-              <a:buFont typeface="Arial" panose="020B0604020202020204" pitchFamily="34" charset="0"/>
-              <a:buChar char="•"/>
-            </a:pPr>
-            <a:r>
-              <a:rPr lang="en-US" sz="2800" b="1" dirty="0"/>
-              <a:t>Purpose</a:t>
-            </a:r>
-            <a:r>
-              <a:rPr lang="en-US" sz="2800" dirty="0"/>
-              <a:t>: A scalable and secure blockchain protocol.</a:t>
-            </a:r>
-          </a:p>
-          <a:p>
-            <a:pPr algn="l" rtl="0">
-              <a:buFont typeface="Arial" panose="020B0604020202020204" pitchFamily="34" charset="0"/>
-              <a:buChar char="•"/>
-            </a:pPr>
-            <a:endParaRPr lang="en-US" sz="2800" b="1" dirty="0"/>
-          </a:p>
-          <a:p>
-            <a:pPr algn="l" rtl="0">
-              <a:buFont typeface="Arial" panose="020B0604020202020204" pitchFamily="34" charset="0"/>
-              <a:buChar char="•"/>
-            </a:pPr>
-            <a:r>
-              <a:rPr lang="en-US" sz="2800" b="1" dirty="0"/>
-              <a:t>Key Goals</a:t>
-            </a:r>
-            <a:r>
-              <a:rPr lang="en-US" sz="2800" dirty="0"/>
-              <a:t>:</a:t>
-            </a:r>
-          </a:p>
-          <a:p>
-            <a:pPr marL="742950" lvl="1" indent="-285750" algn="l" rtl="0">
-              <a:buFont typeface="Arial" panose="020B0604020202020204" pitchFamily="34" charset="0"/>
-              <a:buChar char="•"/>
-            </a:pPr>
-            <a:r>
-              <a:rPr lang="en-US" sz="2800" dirty="0"/>
-              <a:t>Low latency: Confirm transactions in under a minute.</a:t>
-            </a:r>
-          </a:p>
-          <a:p>
-            <a:pPr marL="742950" lvl="1" indent="-285750" algn="l" rtl="0">
-              <a:buFont typeface="Arial" panose="020B0604020202020204" pitchFamily="34" charset="0"/>
-              <a:buChar char="•"/>
-            </a:pPr>
-            <a:r>
-              <a:rPr lang="en-US" sz="2800" dirty="0"/>
-              <a:t>No forks: Consensus ensures a single chain view.</a:t>
-            </a:r>
-          </a:p>
-          <a:p>
-            <a:pPr marL="742950" lvl="1" indent="-285750" algn="l" rtl="0">
-              <a:buFont typeface="Arial" panose="020B0604020202020204" pitchFamily="34" charset="0"/>
-              <a:buChar char="•"/>
-            </a:pPr>
-            <a:r>
-              <a:rPr lang="en-US" sz="2800" dirty="0"/>
-              <a:t>High scalability: Supports millions of users without performance degradation.</a:t>
-            </a:r>
-          </a:p>
-          <a:p>
-            <a:pPr algn="l" rtl="0">
-              <a:buFont typeface="Arial" panose="020B0604020202020204" pitchFamily="34" charset="0"/>
-              <a:buChar char="•"/>
-            </a:pPr>
-            <a:endParaRPr lang="en-US" sz="2800" b="1" dirty="0"/>
-          </a:p>
-          <a:p>
-            <a:pPr algn="l" rtl="0">
-              <a:buFont typeface="Arial" panose="020B0604020202020204" pitchFamily="34" charset="0"/>
-              <a:buChar char="•"/>
-            </a:pPr>
-            <a:r>
-              <a:rPr lang="en-US" sz="2800" b="1" dirty="0"/>
-              <a:t>Innovation</a:t>
-            </a:r>
-            <a:r>
-              <a:rPr lang="en-US" sz="2800" dirty="0"/>
-              <a:t>: Combines Byzantine Agreement (BA⋆) with Cryptographic Sortition.</a:t>
-            </a:r>
-          </a:p>
-        </p:txBody>
-      </p:sp>
-    </p:spTree>
-    <p:extLst>
-      <p:ext uri="{BB962C8B-B14F-4D97-AF65-F5344CB8AC3E}">
-        <p14:creationId xmlns:p14="http://schemas.microsoft.com/office/powerpoint/2010/main" val="1818405235"/>
-      </p:ext>
-    </p:extLst>
-  </p:cSld>
-  <p:clrMapOvr>
-    <a:masterClrMapping/>
-  </p:clrMapOvr>
-</p:sld>
-</file>
-
-<file path=ppt/slides/slide9.xml><?xml version="1.0" encoding="utf-8"?>
-<p:sld xmlns:a="http://schemas.openxmlformats.org/drawingml/2006/main" xmlns:r="http://schemas.openxmlformats.org/officeDocument/2006/relationships" xmlns:p="http://schemas.openxmlformats.org/presentationml/2006/main">
-  <p:cSld>
-    <p:bg>
-      <p:bgRef idx="1001">
-        <a:schemeClr val="bg1"/>
-      </p:bgRef>
-    </p:bg>
-    <p:spTree>
-      <p:nvGrpSpPr>
-        <p:cNvPr id="1" name=""/>
-        <p:cNvGrpSpPr/>
-        <p:nvPr/>
-      </p:nvGrpSpPr>
-      <p:grpSpPr>
-        <a:xfrm>
-          <a:off x="0" y="0"/>
-          <a:ext cx="0" cy="0"/>
-          <a:chOff x="0" y="0"/>
-          <a:chExt cx="0" cy="0"/>
-        </a:xfrm>
-      </p:grpSpPr>
-      <p:sp>
-        <p:nvSpPr>
-          <p:cNvPr id="3" name="תיבת טקסט 2">
-            <a:extLst>
-              <a:ext uri="{FF2B5EF4-FFF2-40B4-BE49-F238E27FC236}">
-                <a16:creationId xmlns:a16="http://schemas.microsoft.com/office/drawing/2014/main" id="{6A603BD4-2AA5-4096-BCA7-44162107D601}"/>
-              </a:ext>
-            </a:extLst>
-          </p:cNvPr>
-          <p:cNvSpPr txBox="1"/>
-          <p:nvPr/>
-        </p:nvSpPr>
-        <p:spPr>
-          <a:xfrm>
-            <a:off x="570271" y="258292"/>
-            <a:ext cx="10894142" cy="6555641"/>
-          </a:xfrm>
-          <a:prstGeom prst="rect">
-            <a:avLst/>
-          </a:prstGeom>
-          <a:noFill/>
-        </p:spPr>
-        <p:txBody>
-          <a:bodyPr wrap="square">
-            <a:spAutoFit/>
-          </a:bodyPr>
-          <a:lstStyle>
-            <a:defPPr>
-              <a:defRPr lang="he-IL"/>
-            </a:defPPr>
-            <a:lvl1pPr algn="l" rtl="0">
-              <a:defRPr sz="2800" b="1"/>
-            </a:lvl1pPr>
-            <a:lvl2pPr marL="742950" lvl="1" indent="-285750" algn="l" rtl="0">
-              <a:buFont typeface="Arial" panose="020B0604020202020204" pitchFamily="34" charset="0"/>
-              <a:buChar char="•"/>
-              <a:defRPr sz="2800"/>
-            </a:lvl2pPr>
-          </a:lstStyle>
-          <a:p>
-            <a:r>
-              <a:rPr lang="en-US" dirty="0"/>
-              <a:t>Cryptographic Sortition</a:t>
-            </a:r>
-          </a:p>
-          <a:p>
-            <a:endParaRPr lang="en-US" dirty="0"/>
-          </a:p>
-          <a:p>
-            <a:r>
-              <a:rPr lang="en-US" dirty="0"/>
-              <a:t>Definition: A process for selecting users for roles (e.g., proposers, committee members) based on their stake (Proof of Stake).</a:t>
-            </a:r>
-          </a:p>
-          <a:p>
-            <a:endParaRPr lang="en-US" dirty="0"/>
-          </a:p>
-          <a:p>
-            <a:r>
-              <a:rPr lang="en-US" dirty="0"/>
-              <a:t>Mechanism:</a:t>
-            </a:r>
-          </a:p>
-          <a:p>
-            <a:pPr lvl="1"/>
-            <a:r>
-              <a:rPr lang="en-US" dirty="0"/>
-              <a:t>Verifiable Random Functions (</a:t>
-            </a:r>
-            <a:r>
-              <a:rPr lang="en-US" b="1" dirty="0"/>
-              <a:t>VRFs</a:t>
-            </a:r>
-            <a:r>
-              <a:rPr lang="en-US" dirty="0"/>
-              <a:t>) select users privately and securely.</a:t>
-            </a:r>
-          </a:p>
-          <a:p>
-            <a:pPr lvl="1"/>
-            <a:r>
-              <a:rPr lang="en-US" dirty="0"/>
-              <a:t>Public seed ensures fairness; role identifiers distinguish purposes.</a:t>
-            </a:r>
-          </a:p>
-          <a:p>
-            <a:endParaRPr lang="en-US" dirty="0"/>
-          </a:p>
-          <a:p>
-            <a:r>
-              <a:rPr lang="en-US" dirty="0"/>
-              <a:t>Advantages:</a:t>
-            </a:r>
-          </a:p>
-          <a:p>
-            <a:pPr lvl="1"/>
-            <a:r>
-              <a:rPr lang="en-US" dirty="0"/>
-              <a:t>Sybil attack resistance.</a:t>
-            </a:r>
-          </a:p>
-          <a:p>
-            <a:pPr lvl="1"/>
-            <a:r>
-              <a:rPr lang="en-US" dirty="0"/>
-              <a:t>Lightweight and scalable.</a:t>
-            </a:r>
-          </a:p>
-          <a:p>
-            <a:pPr lvl="1"/>
-            <a:r>
-              <a:rPr lang="en-US" dirty="0"/>
-              <a:t>Anonymity until selection is revealed.</a:t>
-            </a:r>
-          </a:p>
-        </p:txBody>
-      </p:sp>
-    </p:spTree>
-    <p:extLst>
-      <p:ext uri="{BB962C8B-B14F-4D97-AF65-F5344CB8AC3E}">
-        <p14:creationId xmlns:p14="http://schemas.microsoft.com/office/powerpoint/2010/main" val="3058453783"/>
-      </p:ext>
-    </p:extLst>
-  </p:cSld>
-  <p:clrMapOvr>
-    <a:overrideClrMapping bg1="lt1" tx1="dk1" bg2="lt2" tx2="dk2" accent1="accent1" accent2="accent2" accent3="accent3" accent4="accent4" accent5="accent5" accent6="accent6" hlink="hlink" folHlink="folHlink"/>
   </p:clrMapOvr>
 </p:sld>
 </file>
